--- a/ppt 16-9/1062.信靠顺服.pptx
+++ b/ppt 16-9/1062.信靠顺服.pptx
@@ -5,7 +5,7 @@
     <p:sldMasterId id="2147483648" r:id="rId1"/>
   </p:sldMasterIdLst>
   <p:sldIdLst>
-    <p:sldId id="504" r:id="rId2"/>
+    <p:sldId id="505" r:id="rId2"/>
   </p:sldIdLst>
   <p:sldSz cx="12192000" cy="6858000"/>
   <p:notesSz cx="6858000" cy="9144000"/>
@@ -129,7 +129,7 @@
           <p:cNvPr id="2" name="标题 1">
             <a:extLst>
               <a:ext uri="{FF2B5EF4-FFF2-40B4-BE49-F238E27FC236}">
-                <a16:creationId xmlns:a16="http://schemas.microsoft.com/office/drawing/2014/main" id="{5780100E-F08C-C25F-017D-2157CA36C69D}"/>
+                <a16:creationId xmlns:a16="http://schemas.microsoft.com/office/drawing/2014/main" id="{B5887059-E9E2-F9DD-FBF0-AE0F2E2598F3}"/>
               </a:ext>
             </a:extLst>
           </p:cNvPr>
@@ -166,7 +166,7 @@
           <p:cNvPr id="3" name="副标题 2">
             <a:extLst>
               <a:ext uri="{FF2B5EF4-FFF2-40B4-BE49-F238E27FC236}">
-                <a16:creationId xmlns:a16="http://schemas.microsoft.com/office/drawing/2014/main" id="{86091585-EC34-382D-D243-B7BCC4EC30DE}"/>
+                <a16:creationId xmlns:a16="http://schemas.microsoft.com/office/drawing/2014/main" id="{36DAE915-1AF8-D386-805F-117E74DCE2AD}"/>
               </a:ext>
             </a:extLst>
           </p:cNvPr>
@@ -236,7 +236,7 @@
           <p:cNvPr id="4" name="日期占位符 3">
             <a:extLst>
               <a:ext uri="{FF2B5EF4-FFF2-40B4-BE49-F238E27FC236}">
-                <a16:creationId xmlns:a16="http://schemas.microsoft.com/office/drawing/2014/main" id="{BEBAA983-2795-13C8-4FD1-B1DEF74D9F28}"/>
+                <a16:creationId xmlns:a16="http://schemas.microsoft.com/office/drawing/2014/main" id="{653EEBBF-71F9-BFD5-643A-74C678F23C3E}"/>
               </a:ext>
             </a:extLst>
           </p:cNvPr>
@@ -252,7 +252,7 @@
           <a:bodyPr/>
           <a:lstStyle/>
           <a:p>
-            <a:fld id="{0E780F50-9378-4C31-B06D-A7CFDA0626F4}" type="datetimeFigureOut">
+            <a:fld id="{7483A6C7-C667-4DD8-A711-7DE880DCF992}" type="datetimeFigureOut">
               <a:rPr lang="zh-CN" altLang="en-US" smtClean="0"/>
               <a:t>2024/3/10</a:t>
             </a:fld>
@@ -265,7 +265,7 @@
           <p:cNvPr id="5" name="页脚占位符 4">
             <a:extLst>
               <a:ext uri="{FF2B5EF4-FFF2-40B4-BE49-F238E27FC236}">
-                <a16:creationId xmlns:a16="http://schemas.microsoft.com/office/drawing/2014/main" id="{E91CF846-ECA2-1788-D455-2C67FF77A5FB}"/>
+                <a16:creationId xmlns:a16="http://schemas.microsoft.com/office/drawing/2014/main" id="{5A2F3EF0-5C7E-238B-FFB2-7D114B228C08}"/>
               </a:ext>
             </a:extLst>
           </p:cNvPr>
@@ -290,7 +290,7 @@
           <p:cNvPr id="6" name="灯片编号占位符 5">
             <a:extLst>
               <a:ext uri="{FF2B5EF4-FFF2-40B4-BE49-F238E27FC236}">
-                <a16:creationId xmlns:a16="http://schemas.microsoft.com/office/drawing/2014/main" id="{250D3912-246E-215B-2A3F-FFFE0D49D28B}"/>
+                <a16:creationId xmlns:a16="http://schemas.microsoft.com/office/drawing/2014/main" id="{D419615B-6204-2D30-02AB-2745154135C9}"/>
               </a:ext>
             </a:extLst>
           </p:cNvPr>
@@ -306,7 +306,7 @@
           <a:bodyPr/>
           <a:lstStyle/>
           <a:p>
-            <a:fld id="{9579C294-2564-4874-B2DA-10CE29A350D8}" type="slidenum">
+            <a:fld id="{7C43EC78-EAEB-43C5-A87C-9A53FD88DFA2}" type="slidenum">
               <a:rPr lang="zh-CN" altLang="en-US" smtClean="0"/>
               <a:t>‹#›</a:t>
             </a:fld>
@@ -317,7 +317,7 @@
     </p:spTree>
     <p:extLst>
       <p:ext uri="{BB962C8B-B14F-4D97-AF65-F5344CB8AC3E}">
-        <p14:creationId xmlns:p14="http://schemas.microsoft.com/office/powerpoint/2010/main" val="3575363158"/>
+        <p14:creationId xmlns:p14="http://schemas.microsoft.com/office/powerpoint/2010/main" val="1507102715"/>
       </p:ext>
     </p:extLst>
   </p:cSld>
@@ -349,7 +349,7 @@
           <p:cNvPr id="2" name="标题 1">
             <a:extLst>
               <a:ext uri="{FF2B5EF4-FFF2-40B4-BE49-F238E27FC236}">
-                <a16:creationId xmlns:a16="http://schemas.microsoft.com/office/drawing/2014/main" id="{6EA74769-3CCE-E790-1C23-BDB804D846ED}"/>
+                <a16:creationId xmlns:a16="http://schemas.microsoft.com/office/drawing/2014/main" id="{C7867E28-3D44-40F9-BFEF-63DC4331A7F3}"/>
               </a:ext>
             </a:extLst>
           </p:cNvPr>
@@ -377,7 +377,7 @@
           <p:cNvPr id="3" name="竖排文字占位符 2">
             <a:extLst>
               <a:ext uri="{FF2B5EF4-FFF2-40B4-BE49-F238E27FC236}">
-                <a16:creationId xmlns:a16="http://schemas.microsoft.com/office/drawing/2014/main" id="{51071A0D-F398-8263-8781-FDFC3902FF0B}"/>
+                <a16:creationId xmlns:a16="http://schemas.microsoft.com/office/drawing/2014/main" id="{47C2B59A-5D93-51A1-6BB2-EA3F1582B586}"/>
               </a:ext>
             </a:extLst>
           </p:cNvPr>
@@ -434,7 +434,7 @@
           <p:cNvPr id="4" name="日期占位符 3">
             <a:extLst>
               <a:ext uri="{FF2B5EF4-FFF2-40B4-BE49-F238E27FC236}">
-                <a16:creationId xmlns:a16="http://schemas.microsoft.com/office/drawing/2014/main" id="{6AB90FE2-54C7-865F-0EA3-12EDB3834B69}"/>
+                <a16:creationId xmlns:a16="http://schemas.microsoft.com/office/drawing/2014/main" id="{6EB302C3-7206-4913-1025-65DA53DBBC0F}"/>
               </a:ext>
             </a:extLst>
           </p:cNvPr>
@@ -450,7 +450,7 @@
           <a:bodyPr/>
           <a:lstStyle/>
           <a:p>
-            <a:fld id="{0E780F50-9378-4C31-B06D-A7CFDA0626F4}" type="datetimeFigureOut">
+            <a:fld id="{7483A6C7-C667-4DD8-A711-7DE880DCF992}" type="datetimeFigureOut">
               <a:rPr lang="zh-CN" altLang="en-US" smtClean="0"/>
               <a:t>2024/3/10</a:t>
             </a:fld>
@@ -463,7 +463,7 @@
           <p:cNvPr id="5" name="页脚占位符 4">
             <a:extLst>
               <a:ext uri="{FF2B5EF4-FFF2-40B4-BE49-F238E27FC236}">
-                <a16:creationId xmlns:a16="http://schemas.microsoft.com/office/drawing/2014/main" id="{685AB004-DB32-53DD-13DB-5F98DFDC3613}"/>
+                <a16:creationId xmlns:a16="http://schemas.microsoft.com/office/drawing/2014/main" id="{FF045898-6019-7333-AADC-CDB64D87DACD}"/>
               </a:ext>
             </a:extLst>
           </p:cNvPr>
@@ -488,7 +488,7 @@
           <p:cNvPr id="6" name="灯片编号占位符 5">
             <a:extLst>
               <a:ext uri="{FF2B5EF4-FFF2-40B4-BE49-F238E27FC236}">
-                <a16:creationId xmlns:a16="http://schemas.microsoft.com/office/drawing/2014/main" id="{7A48ECCB-6259-CC79-8C37-61599B2B4DE9}"/>
+                <a16:creationId xmlns:a16="http://schemas.microsoft.com/office/drawing/2014/main" id="{D40DEEC7-CB14-E67C-7814-0A8A8CB67D8C}"/>
               </a:ext>
             </a:extLst>
           </p:cNvPr>
@@ -504,7 +504,7 @@
           <a:bodyPr/>
           <a:lstStyle/>
           <a:p>
-            <a:fld id="{9579C294-2564-4874-B2DA-10CE29A350D8}" type="slidenum">
+            <a:fld id="{7C43EC78-EAEB-43C5-A87C-9A53FD88DFA2}" type="slidenum">
               <a:rPr lang="zh-CN" altLang="en-US" smtClean="0"/>
               <a:t>‹#›</a:t>
             </a:fld>
@@ -515,7 +515,7 @@
     </p:spTree>
     <p:extLst>
       <p:ext uri="{BB962C8B-B14F-4D97-AF65-F5344CB8AC3E}">
-        <p14:creationId xmlns:p14="http://schemas.microsoft.com/office/powerpoint/2010/main" val="1515554321"/>
+        <p14:creationId xmlns:p14="http://schemas.microsoft.com/office/powerpoint/2010/main" val="1356789555"/>
       </p:ext>
     </p:extLst>
   </p:cSld>
@@ -547,7 +547,7 @@
           <p:cNvPr id="2" name="竖排标题 1">
             <a:extLst>
               <a:ext uri="{FF2B5EF4-FFF2-40B4-BE49-F238E27FC236}">
-                <a16:creationId xmlns:a16="http://schemas.microsoft.com/office/drawing/2014/main" id="{CCCF92DD-7FD2-3482-710C-7E1EEF8A6D49}"/>
+                <a16:creationId xmlns:a16="http://schemas.microsoft.com/office/drawing/2014/main" id="{7704FC8D-47F5-D325-5B87-7CFDE5F1786A}"/>
               </a:ext>
             </a:extLst>
           </p:cNvPr>
@@ -580,7 +580,7 @@
           <p:cNvPr id="3" name="竖排文字占位符 2">
             <a:extLst>
               <a:ext uri="{FF2B5EF4-FFF2-40B4-BE49-F238E27FC236}">
-                <a16:creationId xmlns:a16="http://schemas.microsoft.com/office/drawing/2014/main" id="{150275CF-3797-371D-24AE-7A3DAB4EB0E7}"/>
+                <a16:creationId xmlns:a16="http://schemas.microsoft.com/office/drawing/2014/main" id="{5E7EC057-7FBC-D11C-A1FC-4DDAF9D7F0AA}"/>
               </a:ext>
             </a:extLst>
           </p:cNvPr>
@@ -642,7 +642,7 @@
           <p:cNvPr id="4" name="日期占位符 3">
             <a:extLst>
               <a:ext uri="{FF2B5EF4-FFF2-40B4-BE49-F238E27FC236}">
-                <a16:creationId xmlns:a16="http://schemas.microsoft.com/office/drawing/2014/main" id="{20367911-F3D4-B09D-22B2-F9903D18FE30}"/>
+                <a16:creationId xmlns:a16="http://schemas.microsoft.com/office/drawing/2014/main" id="{8B0A1F31-00D4-2AAC-2FB4-8E4F63F1EC23}"/>
               </a:ext>
             </a:extLst>
           </p:cNvPr>
@@ -658,7 +658,7 @@
           <a:bodyPr/>
           <a:lstStyle/>
           <a:p>
-            <a:fld id="{0E780F50-9378-4C31-B06D-A7CFDA0626F4}" type="datetimeFigureOut">
+            <a:fld id="{7483A6C7-C667-4DD8-A711-7DE880DCF992}" type="datetimeFigureOut">
               <a:rPr lang="zh-CN" altLang="en-US" smtClean="0"/>
               <a:t>2024/3/10</a:t>
             </a:fld>
@@ -671,7 +671,7 @@
           <p:cNvPr id="5" name="页脚占位符 4">
             <a:extLst>
               <a:ext uri="{FF2B5EF4-FFF2-40B4-BE49-F238E27FC236}">
-                <a16:creationId xmlns:a16="http://schemas.microsoft.com/office/drawing/2014/main" id="{B419B9E4-CA03-8C45-D7D8-10933F52B812}"/>
+                <a16:creationId xmlns:a16="http://schemas.microsoft.com/office/drawing/2014/main" id="{1889924C-F0AA-6754-4DCA-98070C94FFEE}"/>
               </a:ext>
             </a:extLst>
           </p:cNvPr>
@@ -696,7 +696,7 @@
           <p:cNvPr id="6" name="灯片编号占位符 5">
             <a:extLst>
               <a:ext uri="{FF2B5EF4-FFF2-40B4-BE49-F238E27FC236}">
-                <a16:creationId xmlns:a16="http://schemas.microsoft.com/office/drawing/2014/main" id="{9AD63D4B-8A5B-43CD-4426-672FCBB71988}"/>
+                <a16:creationId xmlns:a16="http://schemas.microsoft.com/office/drawing/2014/main" id="{D740EA96-4D5B-F354-4963-DFB0B3376C30}"/>
               </a:ext>
             </a:extLst>
           </p:cNvPr>
@@ -712,7 +712,7 @@
           <a:bodyPr/>
           <a:lstStyle/>
           <a:p>
-            <a:fld id="{9579C294-2564-4874-B2DA-10CE29A350D8}" type="slidenum">
+            <a:fld id="{7C43EC78-EAEB-43C5-A87C-9A53FD88DFA2}" type="slidenum">
               <a:rPr lang="zh-CN" altLang="en-US" smtClean="0"/>
               <a:t>‹#›</a:t>
             </a:fld>
@@ -723,7 +723,7 @@
     </p:spTree>
     <p:extLst>
       <p:ext uri="{BB962C8B-B14F-4D97-AF65-F5344CB8AC3E}">
-        <p14:creationId xmlns:p14="http://schemas.microsoft.com/office/powerpoint/2010/main" val="3983725957"/>
+        <p14:creationId xmlns:p14="http://schemas.microsoft.com/office/powerpoint/2010/main" val="1244751165"/>
       </p:ext>
     </p:extLst>
   </p:cSld>
@@ -755,7 +755,7 @@
           <p:cNvPr id="2" name="标题 1">
             <a:extLst>
               <a:ext uri="{FF2B5EF4-FFF2-40B4-BE49-F238E27FC236}">
-                <a16:creationId xmlns:a16="http://schemas.microsoft.com/office/drawing/2014/main" id="{5BC41F34-705B-81FC-C3BE-44049D611ED7}"/>
+                <a16:creationId xmlns:a16="http://schemas.microsoft.com/office/drawing/2014/main" id="{F35FF1B2-D382-BB92-A18C-0EAA6B840CC8}"/>
               </a:ext>
             </a:extLst>
           </p:cNvPr>
@@ -783,7 +783,7 @@
           <p:cNvPr id="3" name="内容占位符 2">
             <a:extLst>
               <a:ext uri="{FF2B5EF4-FFF2-40B4-BE49-F238E27FC236}">
-                <a16:creationId xmlns:a16="http://schemas.microsoft.com/office/drawing/2014/main" id="{D7D2218E-EE8E-CEC6-2417-7249FC99DEE7}"/>
+                <a16:creationId xmlns:a16="http://schemas.microsoft.com/office/drawing/2014/main" id="{93F53E1A-CA65-D7FA-7178-D6BC54D80D85}"/>
               </a:ext>
             </a:extLst>
           </p:cNvPr>
@@ -840,7 +840,7 @@
           <p:cNvPr id="4" name="日期占位符 3">
             <a:extLst>
               <a:ext uri="{FF2B5EF4-FFF2-40B4-BE49-F238E27FC236}">
-                <a16:creationId xmlns:a16="http://schemas.microsoft.com/office/drawing/2014/main" id="{FC14DAA8-6240-624E-935C-CF96EF47009E}"/>
+                <a16:creationId xmlns:a16="http://schemas.microsoft.com/office/drawing/2014/main" id="{88D06F6D-CD63-B690-F5D7-116E063E766C}"/>
               </a:ext>
             </a:extLst>
           </p:cNvPr>
@@ -856,7 +856,7 @@
           <a:bodyPr/>
           <a:lstStyle/>
           <a:p>
-            <a:fld id="{0E780F50-9378-4C31-B06D-A7CFDA0626F4}" type="datetimeFigureOut">
+            <a:fld id="{7483A6C7-C667-4DD8-A711-7DE880DCF992}" type="datetimeFigureOut">
               <a:rPr lang="zh-CN" altLang="en-US" smtClean="0"/>
               <a:t>2024/3/10</a:t>
             </a:fld>
@@ -869,7 +869,7 @@
           <p:cNvPr id="5" name="页脚占位符 4">
             <a:extLst>
               <a:ext uri="{FF2B5EF4-FFF2-40B4-BE49-F238E27FC236}">
-                <a16:creationId xmlns:a16="http://schemas.microsoft.com/office/drawing/2014/main" id="{00C43931-5FF4-C8B0-A3A7-DA88DFC854E4}"/>
+                <a16:creationId xmlns:a16="http://schemas.microsoft.com/office/drawing/2014/main" id="{00C3C401-13D9-9188-406C-1668730420FD}"/>
               </a:ext>
             </a:extLst>
           </p:cNvPr>
@@ -894,7 +894,7 @@
           <p:cNvPr id="6" name="灯片编号占位符 5">
             <a:extLst>
               <a:ext uri="{FF2B5EF4-FFF2-40B4-BE49-F238E27FC236}">
-                <a16:creationId xmlns:a16="http://schemas.microsoft.com/office/drawing/2014/main" id="{166A96BB-C439-DF33-37C2-02871AE1B7C2}"/>
+                <a16:creationId xmlns:a16="http://schemas.microsoft.com/office/drawing/2014/main" id="{B2504ACB-9843-243B-06DE-2BFEAE0CB8B3}"/>
               </a:ext>
             </a:extLst>
           </p:cNvPr>
@@ -910,7 +910,7 @@
           <a:bodyPr/>
           <a:lstStyle/>
           <a:p>
-            <a:fld id="{9579C294-2564-4874-B2DA-10CE29A350D8}" type="slidenum">
+            <a:fld id="{7C43EC78-EAEB-43C5-A87C-9A53FD88DFA2}" type="slidenum">
               <a:rPr lang="zh-CN" altLang="en-US" smtClean="0"/>
               <a:t>‹#›</a:t>
             </a:fld>
@@ -921,7 +921,7 @@
     </p:spTree>
     <p:extLst>
       <p:ext uri="{BB962C8B-B14F-4D97-AF65-F5344CB8AC3E}">
-        <p14:creationId xmlns:p14="http://schemas.microsoft.com/office/powerpoint/2010/main" val="2850946277"/>
+        <p14:creationId xmlns:p14="http://schemas.microsoft.com/office/powerpoint/2010/main" val="1896710574"/>
       </p:ext>
     </p:extLst>
   </p:cSld>
@@ -953,7 +953,7 @@
           <p:cNvPr id="2" name="标题 1">
             <a:extLst>
               <a:ext uri="{FF2B5EF4-FFF2-40B4-BE49-F238E27FC236}">
-                <a16:creationId xmlns:a16="http://schemas.microsoft.com/office/drawing/2014/main" id="{7001821E-0F99-4167-D6A2-5286535FBD30}"/>
+                <a16:creationId xmlns:a16="http://schemas.microsoft.com/office/drawing/2014/main" id="{EE86AA67-7087-A77D-6DFD-B459D2FFA03F}"/>
               </a:ext>
             </a:extLst>
           </p:cNvPr>
@@ -990,7 +990,7 @@
           <p:cNvPr id="3" name="文本占位符 2">
             <a:extLst>
               <a:ext uri="{FF2B5EF4-FFF2-40B4-BE49-F238E27FC236}">
-                <a16:creationId xmlns:a16="http://schemas.microsoft.com/office/drawing/2014/main" id="{6EED5306-EAEC-25F8-AA3F-5C955701E5BD}"/>
+                <a16:creationId xmlns:a16="http://schemas.microsoft.com/office/drawing/2014/main" id="{7E5630AB-6DEF-496D-55BC-12F8CD83228C}"/>
               </a:ext>
             </a:extLst>
           </p:cNvPr>
@@ -1115,7 +1115,7 @@
           <p:cNvPr id="4" name="日期占位符 3">
             <a:extLst>
               <a:ext uri="{FF2B5EF4-FFF2-40B4-BE49-F238E27FC236}">
-                <a16:creationId xmlns:a16="http://schemas.microsoft.com/office/drawing/2014/main" id="{F3744A57-084D-742B-524B-D7C5F1D8DC20}"/>
+                <a16:creationId xmlns:a16="http://schemas.microsoft.com/office/drawing/2014/main" id="{54485F89-62DA-3D1C-6E1A-697AEB892FA0}"/>
               </a:ext>
             </a:extLst>
           </p:cNvPr>
@@ -1131,7 +1131,7 @@
           <a:bodyPr/>
           <a:lstStyle/>
           <a:p>
-            <a:fld id="{0E780F50-9378-4C31-B06D-A7CFDA0626F4}" type="datetimeFigureOut">
+            <a:fld id="{7483A6C7-C667-4DD8-A711-7DE880DCF992}" type="datetimeFigureOut">
               <a:rPr lang="zh-CN" altLang="en-US" smtClean="0"/>
               <a:t>2024/3/10</a:t>
             </a:fld>
@@ -1144,7 +1144,7 @@
           <p:cNvPr id="5" name="页脚占位符 4">
             <a:extLst>
               <a:ext uri="{FF2B5EF4-FFF2-40B4-BE49-F238E27FC236}">
-                <a16:creationId xmlns:a16="http://schemas.microsoft.com/office/drawing/2014/main" id="{A84776F9-8DB3-2E33-606F-815342B8A0F5}"/>
+                <a16:creationId xmlns:a16="http://schemas.microsoft.com/office/drawing/2014/main" id="{416BC096-3257-EC21-337B-83AE4F31B685}"/>
               </a:ext>
             </a:extLst>
           </p:cNvPr>
@@ -1169,7 +1169,7 @@
           <p:cNvPr id="6" name="灯片编号占位符 5">
             <a:extLst>
               <a:ext uri="{FF2B5EF4-FFF2-40B4-BE49-F238E27FC236}">
-                <a16:creationId xmlns:a16="http://schemas.microsoft.com/office/drawing/2014/main" id="{10B4003E-3E63-49D8-B8D9-729A896B2B94}"/>
+                <a16:creationId xmlns:a16="http://schemas.microsoft.com/office/drawing/2014/main" id="{B080E178-957C-7EB8-4175-1713CF1D8E78}"/>
               </a:ext>
             </a:extLst>
           </p:cNvPr>
@@ -1185,7 +1185,7 @@
           <a:bodyPr/>
           <a:lstStyle/>
           <a:p>
-            <a:fld id="{9579C294-2564-4874-B2DA-10CE29A350D8}" type="slidenum">
+            <a:fld id="{7C43EC78-EAEB-43C5-A87C-9A53FD88DFA2}" type="slidenum">
               <a:rPr lang="zh-CN" altLang="en-US" smtClean="0"/>
               <a:t>‹#›</a:t>
             </a:fld>
@@ -1196,7 +1196,7 @@
     </p:spTree>
     <p:extLst>
       <p:ext uri="{BB962C8B-B14F-4D97-AF65-F5344CB8AC3E}">
-        <p14:creationId xmlns:p14="http://schemas.microsoft.com/office/powerpoint/2010/main" val="4228101017"/>
+        <p14:creationId xmlns:p14="http://schemas.microsoft.com/office/powerpoint/2010/main" val="60699983"/>
       </p:ext>
     </p:extLst>
   </p:cSld>
@@ -1228,7 +1228,7 @@
           <p:cNvPr id="2" name="标题 1">
             <a:extLst>
               <a:ext uri="{FF2B5EF4-FFF2-40B4-BE49-F238E27FC236}">
-                <a16:creationId xmlns:a16="http://schemas.microsoft.com/office/drawing/2014/main" id="{8AEB1F02-28D2-8EC4-6376-AAF627DF5F57}"/>
+                <a16:creationId xmlns:a16="http://schemas.microsoft.com/office/drawing/2014/main" id="{DFE41A5C-83FF-1208-AFC2-E8E48B4524A6}"/>
               </a:ext>
             </a:extLst>
           </p:cNvPr>
@@ -1256,7 +1256,7 @@
           <p:cNvPr id="3" name="内容占位符 2">
             <a:extLst>
               <a:ext uri="{FF2B5EF4-FFF2-40B4-BE49-F238E27FC236}">
-                <a16:creationId xmlns:a16="http://schemas.microsoft.com/office/drawing/2014/main" id="{D708E8C5-E86E-D295-AEC9-8D13373229BF}"/>
+                <a16:creationId xmlns:a16="http://schemas.microsoft.com/office/drawing/2014/main" id="{31574294-90C7-E938-0574-F878CE2B955D}"/>
               </a:ext>
             </a:extLst>
           </p:cNvPr>
@@ -1318,7 +1318,7 @@
           <p:cNvPr id="4" name="内容占位符 3">
             <a:extLst>
               <a:ext uri="{FF2B5EF4-FFF2-40B4-BE49-F238E27FC236}">
-                <a16:creationId xmlns:a16="http://schemas.microsoft.com/office/drawing/2014/main" id="{C9087E1F-91FA-CA39-3C6C-179E994312BE}"/>
+                <a16:creationId xmlns:a16="http://schemas.microsoft.com/office/drawing/2014/main" id="{9ED613F3-6C94-648C-D0E4-B463DF528C25}"/>
               </a:ext>
             </a:extLst>
           </p:cNvPr>
@@ -1380,7 +1380,7 @@
           <p:cNvPr id="5" name="日期占位符 4">
             <a:extLst>
               <a:ext uri="{FF2B5EF4-FFF2-40B4-BE49-F238E27FC236}">
-                <a16:creationId xmlns:a16="http://schemas.microsoft.com/office/drawing/2014/main" id="{D37CE74E-D570-BD60-E5AE-9D752E4F22CA}"/>
+                <a16:creationId xmlns:a16="http://schemas.microsoft.com/office/drawing/2014/main" id="{F6829543-C4E7-15E4-B137-7121CDA0456C}"/>
               </a:ext>
             </a:extLst>
           </p:cNvPr>
@@ -1396,7 +1396,7 @@
           <a:bodyPr/>
           <a:lstStyle/>
           <a:p>
-            <a:fld id="{0E780F50-9378-4C31-B06D-A7CFDA0626F4}" type="datetimeFigureOut">
+            <a:fld id="{7483A6C7-C667-4DD8-A711-7DE880DCF992}" type="datetimeFigureOut">
               <a:rPr lang="zh-CN" altLang="en-US" smtClean="0"/>
               <a:t>2024/3/10</a:t>
             </a:fld>
@@ -1409,7 +1409,7 @@
           <p:cNvPr id="6" name="页脚占位符 5">
             <a:extLst>
               <a:ext uri="{FF2B5EF4-FFF2-40B4-BE49-F238E27FC236}">
-                <a16:creationId xmlns:a16="http://schemas.microsoft.com/office/drawing/2014/main" id="{796536FF-9994-7A5E-1C9E-99916B9169BA}"/>
+                <a16:creationId xmlns:a16="http://schemas.microsoft.com/office/drawing/2014/main" id="{C411895E-1134-77AB-B543-F99BC3AFB5A9}"/>
               </a:ext>
             </a:extLst>
           </p:cNvPr>
@@ -1434,7 +1434,7 @@
           <p:cNvPr id="7" name="灯片编号占位符 6">
             <a:extLst>
               <a:ext uri="{FF2B5EF4-FFF2-40B4-BE49-F238E27FC236}">
-                <a16:creationId xmlns:a16="http://schemas.microsoft.com/office/drawing/2014/main" id="{3DC8815B-E5A3-2826-39FE-941B8ACEE305}"/>
+                <a16:creationId xmlns:a16="http://schemas.microsoft.com/office/drawing/2014/main" id="{072BEB05-C9D7-53AC-C477-BA082E9A4F25}"/>
               </a:ext>
             </a:extLst>
           </p:cNvPr>
@@ -1450,7 +1450,7 @@
           <a:bodyPr/>
           <a:lstStyle/>
           <a:p>
-            <a:fld id="{9579C294-2564-4874-B2DA-10CE29A350D8}" type="slidenum">
+            <a:fld id="{7C43EC78-EAEB-43C5-A87C-9A53FD88DFA2}" type="slidenum">
               <a:rPr lang="zh-CN" altLang="en-US" smtClean="0"/>
               <a:t>‹#›</a:t>
             </a:fld>
@@ -1461,7 +1461,7 @@
     </p:spTree>
     <p:extLst>
       <p:ext uri="{BB962C8B-B14F-4D97-AF65-F5344CB8AC3E}">
-        <p14:creationId xmlns:p14="http://schemas.microsoft.com/office/powerpoint/2010/main" val="358161748"/>
+        <p14:creationId xmlns:p14="http://schemas.microsoft.com/office/powerpoint/2010/main" val="141559566"/>
       </p:ext>
     </p:extLst>
   </p:cSld>
@@ -1493,7 +1493,7 @@
           <p:cNvPr id="2" name="标题 1">
             <a:extLst>
               <a:ext uri="{FF2B5EF4-FFF2-40B4-BE49-F238E27FC236}">
-                <a16:creationId xmlns:a16="http://schemas.microsoft.com/office/drawing/2014/main" id="{7DCCF1CB-D539-8D5E-3D0E-268E53E326E6}"/>
+                <a16:creationId xmlns:a16="http://schemas.microsoft.com/office/drawing/2014/main" id="{93C43BA7-EE41-6472-E822-526184020F1A}"/>
               </a:ext>
             </a:extLst>
           </p:cNvPr>
@@ -1526,7 +1526,7 @@
           <p:cNvPr id="3" name="文本占位符 2">
             <a:extLst>
               <a:ext uri="{FF2B5EF4-FFF2-40B4-BE49-F238E27FC236}">
-                <a16:creationId xmlns:a16="http://schemas.microsoft.com/office/drawing/2014/main" id="{05AD6547-76DF-6ACB-85D3-0B106480FA84}"/>
+                <a16:creationId xmlns:a16="http://schemas.microsoft.com/office/drawing/2014/main" id="{55FB9EF8-AC30-F287-36DC-507462B93F7F}"/>
               </a:ext>
             </a:extLst>
           </p:cNvPr>
@@ -1597,7 +1597,7 @@
           <p:cNvPr id="4" name="内容占位符 3">
             <a:extLst>
               <a:ext uri="{FF2B5EF4-FFF2-40B4-BE49-F238E27FC236}">
-                <a16:creationId xmlns:a16="http://schemas.microsoft.com/office/drawing/2014/main" id="{DAA92BDA-2E8D-2622-3FD0-416A66C3FE16}"/>
+                <a16:creationId xmlns:a16="http://schemas.microsoft.com/office/drawing/2014/main" id="{662235A9-EC6D-682E-2F13-498CC0B01C20}"/>
               </a:ext>
             </a:extLst>
           </p:cNvPr>
@@ -1659,7 +1659,7 @@
           <p:cNvPr id="5" name="文本占位符 4">
             <a:extLst>
               <a:ext uri="{FF2B5EF4-FFF2-40B4-BE49-F238E27FC236}">
-                <a16:creationId xmlns:a16="http://schemas.microsoft.com/office/drawing/2014/main" id="{5A68427B-8170-58A3-A9F7-FDC5BA2FC4C1}"/>
+                <a16:creationId xmlns:a16="http://schemas.microsoft.com/office/drawing/2014/main" id="{82AEEAD5-A63D-D0AF-D6AA-5CBA3EBAB57D}"/>
               </a:ext>
             </a:extLst>
           </p:cNvPr>
@@ -1730,7 +1730,7 @@
           <p:cNvPr id="6" name="内容占位符 5">
             <a:extLst>
               <a:ext uri="{FF2B5EF4-FFF2-40B4-BE49-F238E27FC236}">
-                <a16:creationId xmlns:a16="http://schemas.microsoft.com/office/drawing/2014/main" id="{E6DE6E87-45B5-8703-8B25-7C1B8DB69C73}"/>
+                <a16:creationId xmlns:a16="http://schemas.microsoft.com/office/drawing/2014/main" id="{5C70AA2D-FBB3-33C3-3D81-1BA2F073D5F4}"/>
               </a:ext>
             </a:extLst>
           </p:cNvPr>
@@ -1792,7 +1792,7 @@
           <p:cNvPr id="7" name="日期占位符 6">
             <a:extLst>
               <a:ext uri="{FF2B5EF4-FFF2-40B4-BE49-F238E27FC236}">
-                <a16:creationId xmlns:a16="http://schemas.microsoft.com/office/drawing/2014/main" id="{A9B9E166-3B1E-E95F-F2F0-2B8294A3800C}"/>
+                <a16:creationId xmlns:a16="http://schemas.microsoft.com/office/drawing/2014/main" id="{D471FB5D-AFEB-F7C1-8917-308AEDEF5D8C}"/>
               </a:ext>
             </a:extLst>
           </p:cNvPr>
@@ -1808,7 +1808,7 @@
           <a:bodyPr/>
           <a:lstStyle/>
           <a:p>
-            <a:fld id="{0E780F50-9378-4C31-B06D-A7CFDA0626F4}" type="datetimeFigureOut">
+            <a:fld id="{7483A6C7-C667-4DD8-A711-7DE880DCF992}" type="datetimeFigureOut">
               <a:rPr lang="zh-CN" altLang="en-US" smtClean="0"/>
               <a:t>2024/3/10</a:t>
             </a:fld>
@@ -1821,7 +1821,7 @@
           <p:cNvPr id="8" name="页脚占位符 7">
             <a:extLst>
               <a:ext uri="{FF2B5EF4-FFF2-40B4-BE49-F238E27FC236}">
-                <a16:creationId xmlns:a16="http://schemas.microsoft.com/office/drawing/2014/main" id="{26E9D228-AFC5-8D32-9A82-AA6F69A6858A}"/>
+                <a16:creationId xmlns:a16="http://schemas.microsoft.com/office/drawing/2014/main" id="{BA244A81-6E44-8329-41BB-8AB3F41E26D5}"/>
               </a:ext>
             </a:extLst>
           </p:cNvPr>
@@ -1846,7 +1846,7 @@
           <p:cNvPr id="9" name="灯片编号占位符 8">
             <a:extLst>
               <a:ext uri="{FF2B5EF4-FFF2-40B4-BE49-F238E27FC236}">
-                <a16:creationId xmlns:a16="http://schemas.microsoft.com/office/drawing/2014/main" id="{290D4355-F493-7815-726F-B71F49DF1579}"/>
+                <a16:creationId xmlns:a16="http://schemas.microsoft.com/office/drawing/2014/main" id="{E681F3AD-BC7E-AB50-B26A-D27D1E16840C}"/>
               </a:ext>
             </a:extLst>
           </p:cNvPr>
@@ -1862,7 +1862,7 @@
           <a:bodyPr/>
           <a:lstStyle/>
           <a:p>
-            <a:fld id="{9579C294-2564-4874-B2DA-10CE29A350D8}" type="slidenum">
+            <a:fld id="{7C43EC78-EAEB-43C5-A87C-9A53FD88DFA2}" type="slidenum">
               <a:rPr lang="zh-CN" altLang="en-US" smtClean="0"/>
               <a:t>‹#›</a:t>
             </a:fld>
@@ -1873,7 +1873,7 @@
     </p:spTree>
     <p:extLst>
       <p:ext uri="{BB962C8B-B14F-4D97-AF65-F5344CB8AC3E}">
-        <p14:creationId xmlns:p14="http://schemas.microsoft.com/office/powerpoint/2010/main" val="3956939860"/>
+        <p14:creationId xmlns:p14="http://schemas.microsoft.com/office/powerpoint/2010/main" val="455205107"/>
       </p:ext>
     </p:extLst>
   </p:cSld>
@@ -1905,7 +1905,7 @@
           <p:cNvPr id="2" name="标题 1">
             <a:extLst>
               <a:ext uri="{FF2B5EF4-FFF2-40B4-BE49-F238E27FC236}">
-                <a16:creationId xmlns:a16="http://schemas.microsoft.com/office/drawing/2014/main" id="{B0FF28D6-152B-30FD-4D54-579411E2AE64}"/>
+                <a16:creationId xmlns:a16="http://schemas.microsoft.com/office/drawing/2014/main" id="{FECEA638-48AC-0966-3DBB-FC6493AE3EEE}"/>
               </a:ext>
             </a:extLst>
           </p:cNvPr>
@@ -1933,7 +1933,7 @@
           <p:cNvPr id="3" name="日期占位符 2">
             <a:extLst>
               <a:ext uri="{FF2B5EF4-FFF2-40B4-BE49-F238E27FC236}">
-                <a16:creationId xmlns:a16="http://schemas.microsoft.com/office/drawing/2014/main" id="{BF081422-03E2-4072-348E-050F711882D1}"/>
+                <a16:creationId xmlns:a16="http://schemas.microsoft.com/office/drawing/2014/main" id="{FC72454A-BBC4-C56E-5F45-2191F1683EA3}"/>
               </a:ext>
             </a:extLst>
           </p:cNvPr>
@@ -1949,7 +1949,7 @@
           <a:bodyPr/>
           <a:lstStyle/>
           <a:p>
-            <a:fld id="{0E780F50-9378-4C31-B06D-A7CFDA0626F4}" type="datetimeFigureOut">
+            <a:fld id="{7483A6C7-C667-4DD8-A711-7DE880DCF992}" type="datetimeFigureOut">
               <a:rPr lang="zh-CN" altLang="en-US" smtClean="0"/>
               <a:t>2024/3/10</a:t>
             </a:fld>
@@ -1962,7 +1962,7 @@
           <p:cNvPr id="4" name="页脚占位符 3">
             <a:extLst>
               <a:ext uri="{FF2B5EF4-FFF2-40B4-BE49-F238E27FC236}">
-                <a16:creationId xmlns:a16="http://schemas.microsoft.com/office/drawing/2014/main" id="{8AC7EA41-136F-D24E-BE71-109A1B5FCDC7}"/>
+                <a16:creationId xmlns:a16="http://schemas.microsoft.com/office/drawing/2014/main" id="{98AD1C28-1E79-CDBD-090B-807D415FBDB5}"/>
               </a:ext>
             </a:extLst>
           </p:cNvPr>
@@ -1987,7 +1987,7 @@
           <p:cNvPr id="5" name="灯片编号占位符 4">
             <a:extLst>
               <a:ext uri="{FF2B5EF4-FFF2-40B4-BE49-F238E27FC236}">
-                <a16:creationId xmlns:a16="http://schemas.microsoft.com/office/drawing/2014/main" id="{70F49C89-5F11-3823-951A-736B9D6E702F}"/>
+                <a16:creationId xmlns:a16="http://schemas.microsoft.com/office/drawing/2014/main" id="{B4886083-2B70-7D26-0313-8177BB36C778}"/>
               </a:ext>
             </a:extLst>
           </p:cNvPr>
@@ -2003,7 +2003,7 @@
           <a:bodyPr/>
           <a:lstStyle/>
           <a:p>
-            <a:fld id="{9579C294-2564-4874-B2DA-10CE29A350D8}" type="slidenum">
+            <a:fld id="{7C43EC78-EAEB-43C5-A87C-9A53FD88DFA2}" type="slidenum">
               <a:rPr lang="zh-CN" altLang="en-US" smtClean="0"/>
               <a:t>‹#›</a:t>
             </a:fld>
@@ -2014,7 +2014,7 @@
     </p:spTree>
     <p:extLst>
       <p:ext uri="{BB962C8B-B14F-4D97-AF65-F5344CB8AC3E}">
-        <p14:creationId xmlns:p14="http://schemas.microsoft.com/office/powerpoint/2010/main" val="2846281280"/>
+        <p14:creationId xmlns:p14="http://schemas.microsoft.com/office/powerpoint/2010/main" val="1076023634"/>
       </p:ext>
     </p:extLst>
   </p:cSld>
@@ -2046,7 +2046,7 @@
           <p:cNvPr id="2" name="日期占位符 1">
             <a:extLst>
               <a:ext uri="{FF2B5EF4-FFF2-40B4-BE49-F238E27FC236}">
-                <a16:creationId xmlns:a16="http://schemas.microsoft.com/office/drawing/2014/main" id="{EF8C31E9-51D8-524B-9E20-3E5764AA0B74}"/>
+                <a16:creationId xmlns:a16="http://schemas.microsoft.com/office/drawing/2014/main" id="{544A1F27-7F07-A34E-C4BB-C5436B38DB64}"/>
               </a:ext>
             </a:extLst>
           </p:cNvPr>
@@ -2062,7 +2062,7 @@
           <a:bodyPr/>
           <a:lstStyle/>
           <a:p>
-            <a:fld id="{0E780F50-9378-4C31-B06D-A7CFDA0626F4}" type="datetimeFigureOut">
+            <a:fld id="{7483A6C7-C667-4DD8-A711-7DE880DCF992}" type="datetimeFigureOut">
               <a:rPr lang="zh-CN" altLang="en-US" smtClean="0"/>
               <a:t>2024/3/10</a:t>
             </a:fld>
@@ -2075,7 +2075,7 @@
           <p:cNvPr id="3" name="页脚占位符 2">
             <a:extLst>
               <a:ext uri="{FF2B5EF4-FFF2-40B4-BE49-F238E27FC236}">
-                <a16:creationId xmlns:a16="http://schemas.microsoft.com/office/drawing/2014/main" id="{10730765-AFA7-AE89-FB7F-143E0C3E60EA}"/>
+                <a16:creationId xmlns:a16="http://schemas.microsoft.com/office/drawing/2014/main" id="{7A974B6B-8A3F-C4C5-903F-6C8B34723C9F}"/>
               </a:ext>
             </a:extLst>
           </p:cNvPr>
@@ -2100,7 +2100,7 @@
           <p:cNvPr id="4" name="灯片编号占位符 3">
             <a:extLst>
               <a:ext uri="{FF2B5EF4-FFF2-40B4-BE49-F238E27FC236}">
-                <a16:creationId xmlns:a16="http://schemas.microsoft.com/office/drawing/2014/main" id="{177C9AAB-44C2-1AF6-D313-8B386780B8C2}"/>
+                <a16:creationId xmlns:a16="http://schemas.microsoft.com/office/drawing/2014/main" id="{5039BBD0-7CDE-AC88-6C3F-88D318C1232F}"/>
               </a:ext>
             </a:extLst>
           </p:cNvPr>
@@ -2116,7 +2116,7 @@
           <a:bodyPr/>
           <a:lstStyle/>
           <a:p>
-            <a:fld id="{9579C294-2564-4874-B2DA-10CE29A350D8}" type="slidenum">
+            <a:fld id="{7C43EC78-EAEB-43C5-A87C-9A53FD88DFA2}" type="slidenum">
               <a:rPr lang="zh-CN" altLang="en-US" smtClean="0"/>
               <a:t>‹#›</a:t>
             </a:fld>
@@ -2127,7 +2127,7 @@
     </p:spTree>
     <p:extLst>
       <p:ext uri="{BB962C8B-B14F-4D97-AF65-F5344CB8AC3E}">
-        <p14:creationId xmlns:p14="http://schemas.microsoft.com/office/powerpoint/2010/main" val="2860527275"/>
+        <p14:creationId xmlns:p14="http://schemas.microsoft.com/office/powerpoint/2010/main" val="1039225997"/>
       </p:ext>
     </p:extLst>
   </p:cSld>
@@ -2159,7 +2159,7 @@
           <p:cNvPr id="2" name="标题 1">
             <a:extLst>
               <a:ext uri="{FF2B5EF4-FFF2-40B4-BE49-F238E27FC236}">
-                <a16:creationId xmlns:a16="http://schemas.microsoft.com/office/drawing/2014/main" id="{E7AF8061-1C4F-4539-F84F-B862EBCA4E89}"/>
+                <a16:creationId xmlns:a16="http://schemas.microsoft.com/office/drawing/2014/main" id="{8FA2D192-9800-7192-0988-BC7A5FF63DE3}"/>
               </a:ext>
             </a:extLst>
           </p:cNvPr>
@@ -2196,7 +2196,7 @@
           <p:cNvPr id="3" name="内容占位符 2">
             <a:extLst>
               <a:ext uri="{FF2B5EF4-FFF2-40B4-BE49-F238E27FC236}">
-                <a16:creationId xmlns:a16="http://schemas.microsoft.com/office/drawing/2014/main" id="{30747160-B380-E6C9-6F21-82E51733F610}"/>
+                <a16:creationId xmlns:a16="http://schemas.microsoft.com/office/drawing/2014/main" id="{044009FB-1D0D-E1C7-E343-999CAE316752}"/>
               </a:ext>
             </a:extLst>
           </p:cNvPr>
@@ -2286,7 +2286,7 @@
           <p:cNvPr id="4" name="文本占位符 3">
             <a:extLst>
               <a:ext uri="{FF2B5EF4-FFF2-40B4-BE49-F238E27FC236}">
-                <a16:creationId xmlns:a16="http://schemas.microsoft.com/office/drawing/2014/main" id="{D559D2DC-E296-5A72-AAD5-39941AB39C57}"/>
+                <a16:creationId xmlns:a16="http://schemas.microsoft.com/office/drawing/2014/main" id="{8398C625-42BB-6FBE-47EC-03AF57A6E9FB}"/>
               </a:ext>
             </a:extLst>
           </p:cNvPr>
@@ -2357,7 +2357,7 @@
           <p:cNvPr id="5" name="日期占位符 4">
             <a:extLst>
               <a:ext uri="{FF2B5EF4-FFF2-40B4-BE49-F238E27FC236}">
-                <a16:creationId xmlns:a16="http://schemas.microsoft.com/office/drawing/2014/main" id="{98A755DC-8780-5A5E-808F-C9BED81BBFE2}"/>
+                <a16:creationId xmlns:a16="http://schemas.microsoft.com/office/drawing/2014/main" id="{7960AD16-8A02-8F02-826D-CD87F2B9CE72}"/>
               </a:ext>
             </a:extLst>
           </p:cNvPr>
@@ -2373,7 +2373,7 @@
           <a:bodyPr/>
           <a:lstStyle/>
           <a:p>
-            <a:fld id="{0E780F50-9378-4C31-B06D-A7CFDA0626F4}" type="datetimeFigureOut">
+            <a:fld id="{7483A6C7-C667-4DD8-A711-7DE880DCF992}" type="datetimeFigureOut">
               <a:rPr lang="zh-CN" altLang="en-US" smtClean="0"/>
               <a:t>2024/3/10</a:t>
             </a:fld>
@@ -2386,7 +2386,7 @@
           <p:cNvPr id="6" name="页脚占位符 5">
             <a:extLst>
               <a:ext uri="{FF2B5EF4-FFF2-40B4-BE49-F238E27FC236}">
-                <a16:creationId xmlns:a16="http://schemas.microsoft.com/office/drawing/2014/main" id="{7D184821-BCD6-1F59-8E24-7B98EA1C173F}"/>
+                <a16:creationId xmlns:a16="http://schemas.microsoft.com/office/drawing/2014/main" id="{E89AE1C4-D6B3-834B-EE78-749B7FF7F9EB}"/>
               </a:ext>
             </a:extLst>
           </p:cNvPr>
@@ -2411,7 +2411,7 @@
           <p:cNvPr id="7" name="灯片编号占位符 6">
             <a:extLst>
               <a:ext uri="{FF2B5EF4-FFF2-40B4-BE49-F238E27FC236}">
-                <a16:creationId xmlns:a16="http://schemas.microsoft.com/office/drawing/2014/main" id="{29C36073-70DF-7C07-F0EE-89BE02B9719E}"/>
+                <a16:creationId xmlns:a16="http://schemas.microsoft.com/office/drawing/2014/main" id="{87B1B844-1EC8-CF1E-5393-28B54EAAAE63}"/>
               </a:ext>
             </a:extLst>
           </p:cNvPr>
@@ -2427,7 +2427,7 @@
           <a:bodyPr/>
           <a:lstStyle/>
           <a:p>
-            <a:fld id="{9579C294-2564-4874-B2DA-10CE29A350D8}" type="slidenum">
+            <a:fld id="{7C43EC78-EAEB-43C5-A87C-9A53FD88DFA2}" type="slidenum">
               <a:rPr lang="zh-CN" altLang="en-US" smtClean="0"/>
               <a:t>‹#›</a:t>
             </a:fld>
@@ -2438,7 +2438,7 @@
     </p:spTree>
     <p:extLst>
       <p:ext uri="{BB962C8B-B14F-4D97-AF65-F5344CB8AC3E}">
-        <p14:creationId xmlns:p14="http://schemas.microsoft.com/office/powerpoint/2010/main" val="1526553280"/>
+        <p14:creationId xmlns:p14="http://schemas.microsoft.com/office/powerpoint/2010/main" val="2890347565"/>
       </p:ext>
     </p:extLst>
   </p:cSld>
@@ -2470,7 +2470,7 @@
           <p:cNvPr id="2" name="标题 1">
             <a:extLst>
               <a:ext uri="{FF2B5EF4-FFF2-40B4-BE49-F238E27FC236}">
-                <a16:creationId xmlns:a16="http://schemas.microsoft.com/office/drawing/2014/main" id="{0B214694-41D1-3DDE-2839-2723626447ED}"/>
+                <a16:creationId xmlns:a16="http://schemas.microsoft.com/office/drawing/2014/main" id="{349733E7-EB9D-CF2C-5295-6BE2BA944256}"/>
               </a:ext>
             </a:extLst>
           </p:cNvPr>
@@ -2507,7 +2507,7 @@
           <p:cNvPr id="3" name="图片占位符 2">
             <a:extLst>
               <a:ext uri="{FF2B5EF4-FFF2-40B4-BE49-F238E27FC236}">
-                <a16:creationId xmlns:a16="http://schemas.microsoft.com/office/drawing/2014/main" id="{6B2FBAA3-267F-C159-29E2-516D7E4249FA}"/>
+                <a16:creationId xmlns:a16="http://schemas.microsoft.com/office/drawing/2014/main" id="{C96BD93D-EF3E-53EB-F654-FC537211E738}"/>
               </a:ext>
             </a:extLst>
           </p:cNvPr>
@@ -2574,7 +2574,7 @@
           <p:cNvPr id="4" name="文本占位符 3">
             <a:extLst>
               <a:ext uri="{FF2B5EF4-FFF2-40B4-BE49-F238E27FC236}">
-                <a16:creationId xmlns:a16="http://schemas.microsoft.com/office/drawing/2014/main" id="{1D2B7FD5-463D-AABB-7C27-28C99E52C9FA}"/>
+                <a16:creationId xmlns:a16="http://schemas.microsoft.com/office/drawing/2014/main" id="{1E8568AC-0E3A-263F-4C55-D94D69986915}"/>
               </a:ext>
             </a:extLst>
           </p:cNvPr>
@@ -2645,7 +2645,7 @@
           <p:cNvPr id="5" name="日期占位符 4">
             <a:extLst>
               <a:ext uri="{FF2B5EF4-FFF2-40B4-BE49-F238E27FC236}">
-                <a16:creationId xmlns:a16="http://schemas.microsoft.com/office/drawing/2014/main" id="{BFED01FA-C2B6-20E6-14B8-C0539A96BCC8}"/>
+                <a16:creationId xmlns:a16="http://schemas.microsoft.com/office/drawing/2014/main" id="{70DF33C1-1A7D-4D89-88BF-C71F63B4EBFC}"/>
               </a:ext>
             </a:extLst>
           </p:cNvPr>
@@ -2661,7 +2661,7 @@
           <a:bodyPr/>
           <a:lstStyle/>
           <a:p>
-            <a:fld id="{0E780F50-9378-4C31-B06D-A7CFDA0626F4}" type="datetimeFigureOut">
+            <a:fld id="{7483A6C7-C667-4DD8-A711-7DE880DCF992}" type="datetimeFigureOut">
               <a:rPr lang="zh-CN" altLang="en-US" smtClean="0"/>
               <a:t>2024/3/10</a:t>
             </a:fld>
@@ -2674,7 +2674,7 @@
           <p:cNvPr id="6" name="页脚占位符 5">
             <a:extLst>
               <a:ext uri="{FF2B5EF4-FFF2-40B4-BE49-F238E27FC236}">
-                <a16:creationId xmlns:a16="http://schemas.microsoft.com/office/drawing/2014/main" id="{43757AA4-CCD7-74C4-D965-E94661E08F22}"/>
+                <a16:creationId xmlns:a16="http://schemas.microsoft.com/office/drawing/2014/main" id="{B956E9E4-D706-F2DA-C692-2364A1A4178D}"/>
               </a:ext>
             </a:extLst>
           </p:cNvPr>
@@ -2699,7 +2699,7 @@
           <p:cNvPr id="7" name="灯片编号占位符 6">
             <a:extLst>
               <a:ext uri="{FF2B5EF4-FFF2-40B4-BE49-F238E27FC236}">
-                <a16:creationId xmlns:a16="http://schemas.microsoft.com/office/drawing/2014/main" id="{52F9F57A-8DE3-852A-AAEB-371DB5349816}"/>
+                <a16:creationId xmlns:a16="http://schemas.microsoft.com/office/drawing/2014/main" id="{A004AF30-85D3-59CE-20E4-73F8164A954C}"/>
               </a:ext>
             </a:extLst>
           </p:cNvPr>
@@ -2715,7 +2715,7 @@
           <a:bodyPr/>
           <a:lstStyle/>
           <a:p>
-            <a:fld id="{9579C294-2564-4874-B2DA-10CE29A350D8}" type="slidenum">
+            <a:fld id="{7C43EC78-EAEB-43C5-A87C-9A53FD88DFA2}" type="slidenum">
               <a:rPr lang="zh-CN" altLang="en-US" smtClean="0"/>
               <a:t>‹#›</a:t>
             </a:fld>
@@ -2726,7 +2726,7 @@
     </p:spTree>
     <p:extLst>
       <p:ext uri="{BB962C8B-B14F-4D97-AF65-F5344CB8AC3E}">
-        <p14:creationId xmlns:p14="http://schemas.microsoft.com/office/powerpoint/2010/main" val="56883070"/>
+        <p14:creationId xmlns:p14="http://schemas.microsoft.com/office/powerpoint/2010/main" val="1850839057"/>
       </p:ext>
     </p:extLst>
   </p:cSld>
@@ -2763,7 +2763,7 @@
           <p:cNvPr id="2" name="标题占位符 1">
             <a:extLst>
               <a:ext uri="{FF2B5EF4-FFF2-40B4-BE49-F238E27FC236}">
-                <a16:creationId xmlns:a16="http://schemas.microsoft.com/office/drawing/2014/main" id="{6F82D43A-F79A-545D-4EFC-74D6F879FC0A}"/>
+                <a16:creationId xmlns:a16="http://schemas.microsoft.com/office/drawing/2014/main" id="{AAEFC053-5789-82AC-B26C-6654897B8CC7}"/>
               </a:ext>
             </a:extLst>
           </p:cNvPr>
@@ -2801,7 +2801,7 @@
           <p:cNvPr id="3" name="文本占位符 2">
             <a:extLst>
               <a:ext uri="{FF2B5EF4-FFF2-40B4-BE49-F238E27FC236}">
-                <a16:creationId xmlns:a16="http://schemas.microsoft.com/office/drawing/2014/main" id="{411F8709-24D1-EF41-4F87-5C30D024A05D}"/>
+                <a16:creationId xmlns:a16="http://schemas.microsoft.com/office/drawing/2014/main" id="{BE34DDEF-BCAD-15AF-6975-53C023B29EE9}"/>
               </a:ext>
             </a:extLst>
           </p:cNvPr>
@@ -2868,7 +2868,7 @@
           <p:cNvPr id="4" name="日期占位符 3">
             <a:extLst>
               <a:ext uri="{FF2B5EF4-FFF2-40B4-BE49-F238E27FC236}">
-                <a16:creationId xmlns:a16="http://schemas.microsoft.com/office/drawing/2014/main" id="{EAAA3B5E-1F64-EC45-1AE4-A18CAD1039A6}"/>
+                <a16:creationId xmlns:a16="http://schemas.microsoft.com/office/drawing/2014/main" id="{18CE2037-58C0-5C04-FA5D-F6E9FC6F93C8}"/>
               </a:ext>
             </a:extLst>
           </p:cNvPr>
@@ -2902,7 +2902,7 @@
             </a:lvl1pPr>
           </a:lstStyle>
           <a:p>
-            <a:fld id="{0E780F50-9378-4C31-B06D-A7CFDA0626F4}" type="datetimeFigureOut">
+            <a:fld id="{7483A6C7-C667-4DD8-A711-7DE880DCF992}" type="datetimeFigureOut">
               <a:rPr lang="zh-CN" altLang="en-US" smtClean="0"/>
               <a:t>2024/3/10</a:t>
             </a:fld>
@@ -2915,7 +2915,7 @@
           <p:cNvPr id="5" name="页脚占位符 4">
             <a:extLst>
               <a:ext uri="{FF2B5EF4-FFF2-40B4-BE49-F238E27FC236}">
-                <a16:creationId xmlns:a16="http://schemas.microsoft.com/office/drawing/2014/main" id="{A0D877FE-7711-9467-86D2-63A6C5DFE7B8}"/>
+                <a16:creationId xmlns:a16="http://schemas.microsoft.com/office/drawing/2014/main" id="{678B7014-6A6A-1C99-B7F3-2C4C2010363E}"/>
               </a:ext>
             </a:extLst>
           </p:cNvPr>
@@ -2958,7 +2958,7 @@
           <p:cNvPr id="6" name="灯片编号占位符 5">
             <a:extLst>
               <a:ext uri="{FF2B5EF4-FFF2-40B4-BE49-F238E27FC236}">
-                <a16:creationId xmlns:a16="http://schemas.microsoft.com/office/drawing/2014/main" id="{206B8D96-A9B7-30F7-9080-7772BA0E96ED}"/>
+                <a16:creationId xmlns:a16="http://schemas.microsoft.com/office/drawing/2014/main" id="{2A3F6415-D579-9579-392C-4FDFB7D48564}"/>
               </a:ext>
             </a:extLst>
           </p:cNvPr>
@@ -2992,7 +2992,7 @@
             </a:lvl1pPr>
           </a:lstStyle>
           <a:p>
-            <a:fld id="{9579C294-2564-4874-B2DA-10CE29A350D8}" type="slidenum">
+            <a:fld id="{7C43EC78-EAEB-43C5-A87C-9A53FD88DFA2}" type="slidenum">
               <a:rPr lang="zh-CN" altLang="en-US" smtClean="0"/>
               <a:t>‹#›</a:t>
             </a:fld>
@@ -3003,7 +3003,7 @@
     </p:spTree>
     <p:extLst>
       <p:ext uri="{BB962C8B-B14F-4D97-AF65-F5344CB8AC3E}">
-        <p14:creationId xmlns:p14="http://schemas.microsoft.com/office/powerpoint/2010/main" val="1448299127"/>
+        <p14:creationId xmlns:p14="http://schemas.microsoft.com/office/powerpoint/2010/main" val="90827534"/>
       </p:ext>
     </p:extLst>
   </p:cSld>
@@ -3323,7 +3323,7 @@
       </p:grpSpPr>
       <p:pic>
         <p:nvPicPr>
-          <p:cNvPr id="1087490" name="Picture 2" descr="1061"/>
+          <p:cNvPr id="1088514" name="Picture 2" descr="1062"/>
           <p:cNvPicPr>
             <a:picLocks noChangeAspect="1" noChangeArrowheads="1"/>
           </p:cNvPicPr>
@@ -3344,8 +3344,8 @@
         </p:blipFill>
         <p:spPr bwMode="auto">
           <a:xfrm>
-            <a:off x="1524001" y="0"/>
-            <a:ext cx="9053513" cy="6789738"/>
+            <a:off x="1524000" y="0"/>
+            <a:ext cx="9144000" cy="6858000"/>
           </a:xfrm>
           <a:prstGeom prst="rect">
             <a:avLst/>
@@ -3375,11 +3375,158 @@
           </a:extLst>
         </p:spPr>
       </p:pic>
+      <p:pic>
+        <p:nvPicPr>
+          <p:cNvPr id="1089539" name="Picture 3" descr="1062-2"/>
+          <p:cNvPicPr>
+            <a:picLocks noChangeAspect="1" noChangeArrowheads="1"/>
+          </p:cNvPicPr>
+          <p:nvPr/>
+        </p:nvPicPr>
+        <p:blipFill>
+          <a:blip r:embed="rId3">
+            <a:extLst>
+              <a:ext uri="{28A0092B-C50C-407E-A947-70E740481C1C}">
+                <a14:useLocalDpi xmlns:a14="http://schemas.microsoft.com/office/drawing/2010/main" val="0"/>
+              </a:ext>
+            </a:extLst>
+          </a:blip>
+          <a:srcRect/>
+          <a:stretch>
+            <a:fillRect/>
+          </a:stretch>
+        </p:blipFill>
+        <p:spPr bwMode="auto">
+          <a:xfrm>
+            <a:off x="1524000" y="-14288"/>
+            <a:ext cx="9144000" cy="6872288"/>
+          </a:xfrm>
+          <a:prstGeom prst="rect">
+            <a:avLst/>
+          </a:prstGeom>
+          <a:noFill/>
+          <a:ln>
+            <a:noFill/>
+          </a:ln>
+          <a:effectLst/>
+          <a:extLst>
+            <a:ext uri="{909E8E84-426E-40DD-AFC4-6F175D3DCCD1}">
+              <a14:hiddenFill xmlns:a14="http://schemas.microsoft.com/office/drawing/2010/main">
+                <a:solidFill>
+                  <a:srgbClr val="FFFFFF"/>
+                </a:solidFill>
+              </a14:hiddenFill>
+            </a:ext>
+            <a:ext uri="{91240B29-F687-4F45-9708-019B960494DF}">
+              <a14:hiddenLine xmlns:a14="http://schemas.microsoft.com/office/drawing/2010/main" w="9525">
+                <a:solidFill>
+                  <a:srgbClr val="000000"/>
+                </a:solidFill>
+                <a:miter lim="800000"/>
+                <a:headEnd/>
+                <a:tailEnd/>
+              </a14:hiddenLine>
+            </a:ext>
+            <a:ext uri="{AF507438-7753-43E0-B8FC-AC1667EBCBE1}">
+              <a14:hiddenEffects xmlns:a14="http://schemas.microsoft.com/office/drawing/2010/main">
+                <a:effectLst>
+                  <a:outerShdw dist="35921" dir="2700000" algn="ctr" rotWithShape="0">
+                    <a:srgbClr val="808080"/>
+                  </a:outerShdw>
+                </a:effectLst>
+              </a14:hiddenEffects>
+            </a:ext>
+          </a:extLst>
+        </p:spPr>
+      </p:pic>
     </p:spTree>
   </p:cSld>
   <p:clrMapOvr>
     <a:masterClrMapping/>
   </p:clrMapOvr>
+  <p:timing>
+    <p:tnLst>
+      <p:par>
+        <p:cTn id="1" dur="indefinite" restart="never" nodeType="tmRoot">
+          <p:childTnLst>
+            <p:seq concurrent="1" nextAc="seek">
+              <p:cTn id="2" dur="indefinite" nodeType="mainSeq">
+                <p:childTnLst>
+                  <p:par>
+                    <p:cTn id="3" fill="hold" nodeType="clickPar">
+                      <p:stCondLst>
+                        <p:cond delay="indefinite"/>
+                      </p:stCondLst>
+                      <p:childTnLst>
+                        <p:par>
+                          <p:cTn id="4" fill="hold" nodeType="withGroup">
+                            <p:stCondLst>
+                              <p:cond delay="0"/>
+                            </p:stCondLst>
+                            <p:childTnLst>
+                              <p:par>
+                                <p:cTn id="5" presetID="10" presetClass="entr" presetSubtype="0" fill="hold" nodeType="clickEffect">
+                                  <p:stCondLst>
+                                    <p:cond delay="0"/>
+                                  </p:stCondLst>
+                                  <p:childTnLst>
+                                    <p:set>
+                                      <p:cBhvr>
+                                        <p:cTn id="6" dur="1" fill="hold">
+                                          <p:stCondLst>
+                                            <p:cond delay="0"/>
+                                          </p:stCondLst>
+                                        </p:cTn>
+                                        <p:tgtEl>
+                                          <p:spTgt spid="1089539"/>
+                                        </p:tgtEl>
+                                        <p:attrNameLst>
+                                          <p:attrName>style.visibility</p:attrName>
+                                        </p:attrNameLst>
+                                      </p:cBhvr>
+                                      <p:to>
+                                        <p:strVal val="visible"/>
+                                      </p:to>
+                                    </p:set>
+                                    <p:animEffect transition="in" filter="fade">
+                                      <p:cBhvr>
+                                        <p:cTn id="7" dur="500"/>
+                                        <p:tgtEl>
+                                          <p:spTgt spid="1089539"/>
+                                        </p:tgtEl>
+                                      </p:cBhvr>
+                                    </p:animEffect>
+                                  </p:childTnLst>
+                                </p:cTn>
+                              </p:par>
+                            </p:childTnLst>
+                          </p:cTn>
+                        </p:par>
+                      </p:childTnLst>
+                    </p:cTn>
+                  </p:par>
+                </p:childTnLst>
+              </p:cTn>
+              <p:prevCondLst>
+                <p:cond evt="onPrev" delay="0">
+                  <p:tgtEl>
+                    <p:sldTgt/>
+                  </p:tgtEl>
+                </p:cond>
+              </p:prevCondLst>
+              <p:nextCondLst>
+                <p:cond evt="onNext" delay="0">
+                  <p:tgtEl>
+                    <p:sldTgt/>
+                  </p:tgtEl>
+                </p:cond>
+              </p:nextCondLst>
+            </p:seq>
+          </p:childTnLst>
+        </p:cTn>
+      </p:par>
+    </p:tnLst>
+  </p:timing>
 </p:sld>
 </file>
 
